--- a/Eager/paper/cloudcom15/sla_durability_v2.pptx
+++ b/Eager/paper/cloudcom15/sla_durability_v2.pptx
@@ -211,7 +211,7 @@
           <a:p>
             <a:fld id="{8E415326-2B96-B945-8AB6-F64A0C40D5CA}" type="datetimeFigureOut">
               <a:rPr lang="en-US" smtClean="0"/>
-              <a:t>12/1/15</a:t>
+              <a:t>12/2/15</a:t>
             </a:fld>
             <a:endParaRPr lang="en-US"/>
           </a:p>
@@ -377,7 +377,7 @@
           <a:p>
             <a:fld id="{EFC639ED-6BAD-5C41-B9A7-F7DC3119F99E}" type="datetimeFigureOut">
               <a:rPr lang="en-US" smtClean="0"/>
-              <a:t>12/1/15</a:t>
+              <a:t>12/2/15</a:t>
             </a:fld>
             <a:endParaRPr lang="en-US"/>
           </a:p>
@@ -827,7 +827,7 @@
           <a:p>
             <a:fld id="{DDC34514-6819-4742-A5FC-808483A79BA2}" type="datetime1">
               <a:rPr lang="en-US" smtClean="0"/>
-              <a:t>12/1/15</a:t>
+              <a:t>12/2/15</a:t>
             </a:fld>
             <a:endParaRPr lang="en-US"/>
           </a:p>
@@ -997,7 +997,7 @@
           <a:p>
             <a:fld id="{E23E9FB3-E247-BC42-876E-3BBDAA79D2DF}" type="datetime1">
               <a:rPr lang="en-US" smtClean="0"/>
-              <a:t>12/1/15</a:t>
+              <a:t>12/2/15</a:t>
             </a:fld>
             <a:endParaRPr lang="en-US"/>
           </a:p>
@@ -1177,7 +1177,7 @@
           <a:p>
             <a:fld id="{35FE0BEC-1116-6940-A979-ABC37C96264B}" type="datetime1">
               <a:rPr lang="en-US" smtClean="0"/>
-              <a:t>12/1/15</a:t>
+              <a:t>12/2/15</a:t>
             </a:fld>
             <a:endParaRPr lang="en-US"/>
           </a:p>
@@ -1347,7 +1347,7 @@
           <a:p>
             <a:fld id="{8FEA6178-A2A3-DB4C-A8D8-477EA2E8D3F8}" type="datetime1">
               <a:rPr lang="en-US" smtClean="0"/>
-              <a:t>12/1/15</a:t>
+              <a:t>12/2/15</a:t>
             </a:fld>
             <a:endParaRPr lang="en-US"/>
           </a:p>
@@ -1593,7 +1593,7 @@
           <a:p>
             <a:fld id="{10D03854-A612-424A-9748-8D03AB2A415A}" type="datetime1">
               <a:rPr lang="en-US" smtClean="0"/>
-              <a:t>12/1/15</a:t>
+              <a:t>12/2/15</a:t>
             </a:fld>
             <a:endParaRPr lang="en-US"/>
           </a:p>
@@ -1881,7 +1881,7 @@
           <a:p>
             <a:fld id="{385CB747-C937-D64E-97EB-60A7BC50825F}" type="datetime1">
               <a:rPr lang="en-US" smtClean="0"/>
-              <a:t>12/1/15</a:t>
+              <a:t>12/2/15</a:t>
             </a:fld>
             <a:endParaRPr lang="en-US"/>
           </a:p>
@@ -2303,7 +2303,7 @@
           <a:p>
             <a:fld id="{B73944EF-0DF8-424E-83C8-0F6A99E63CC3}" type="datetime1">
               <a:rPr lang="en-US" smtClean="0"/>
-              <a:t>12/1/15</a:t>
+              <a:t>12/2/15</a:t>
             </a:fld>
             <a:endParaRPr lang="en-US"/>
           </a:p>
@@ -2421,7 +2421,7 @@
           <a:p>
             <a:fld id="{D44049DE-B273-1742-86F9-B09113ADBA15}" type="datetime1">
               <a:rPr lang="en-US" smtClean="0"/>
-              <a:t>12/1/15</a:t>
+              <a:t>12/2/15</a:t>
             </a:fld>
             <a:endParaRPr lang="en-US"/>
           </a:p>
@@ -2516,7 +2516,7 @@
           <a:p>
             <a:fld id="{AD54D3C0-2466-8D45-B9AF-0B7821B925AE}" type="datetime1">
               <a:rPr lang="en-US" smtClean="0"/>
-              <a:t>12/1/15</a:t>
+              <a:t>12/2/15</a:t>
             </a:fld>
             <a:endParaRPr lang="en-US"/>
           </a:p>
@@ -2793,7 +2793,7 @@
           <a:p>
             <a:fld id="{8BE8A281-B677-574D-B1A9-2CF7BC2CFB41}" type="datetime1">
               <a:rPr lang="en-US" smtClean="0"/>
-              <a:t>12/1/15</a:t>
+              <a:t>12/2/15</a:t>
             </a:fld>
             <a:endParaRPr lang="en-US"/>
           </a:p>
@@ -3046,7 +3046,7 @@
           <a:p>
             <a:fld id="{A46AD8AA-47AC-BF4F-90C4-2BDB046028EE}" type="datetime1">
               <a:rPr lang="en-US" smtClean="0"/>
-              <a:t>12/1/15</a:t>
+              <a:t>12/2/15</a:t>
             </a:fld>
             <a:endParaRPr lang="en-US"/>
           </a:p>
@@ -3259,7 +3259,7 @@
           <a:p>
             <a:fld id="{B145E3DC-E7BD-0440-A2D7-F92BB3B0D6CE}" type="datetime1">
               <a:rPr lang="en-US" smtClean="0"/>
-              <a:t>12/1/15</a:t>
+              <a:t>12/2/15</a:t>
             </a:fld>
             <a:endParaRPr lang="en-US"/>
           </a:p>
@@ -3855,7 +3855,11 @@
           <a:p>
             <a:r>
               <a:rPr lang="en-US" dirty="0" smtClean="0"/>
-              <a:t>SLA Negotiation in Cerebro</a:t>
+              <a:t>SLA </a:t>
+            </a:r>
+            <a:r>
+              <a:rPr lang="en-US" dirty="0" smtClean="0"/>
+              <a:t>Acquisition and Monitoring</a:t>
             </a:r>
             <a:endParaRPr lang="en-US" dirty="0"/>
           </a:p>
@@ -4017,43 +4021,87 @@
         </p:nvSpPr>
         <p:spPr/>
         <p:txBody>
+          <a:bodyPr>
+            <a:normAutofit/>
+          </a:bodyPr>
+          <a:lstStyle/>
+          <a:p>
+            <a:r>
+              <a:rPr lang="en-US" dirty="0" smtClean="0"/>
+              <a:t>Google App Engine Experiment</a:t>
+            </a:r>
+            <a:endParaRPr lang="en-US" dirty="0"/>
+          </a:p>
+        </p:txBody>
+      </p:sp>
+      <p:sp>
+        <p:nvSpPr>
+          <p:cNvPr id="3" name="Content Placeholder 2"/>
+          <p:cNvSpPr>
+            <a:spLocks noGrp="1"/>
+          </p:cNvSpPr>
+          <p:nvPr>
+            <p:ph idx="1"/>
+          </p:nvPr>
+        </p:nvSpPr>
+        <p:spPr/>
+        <p:txBody>
           <a:bodyPr/>
           <a:lstStyle/>
           <a:p>
             <a:r>
               <a:rPr lang="en-US" dirty="0" smtClean="0"/>
-              <a:t>Experiment Objectives</a:t>
-            </a:r>
-            <a:endParaRPr lang="en-US" dirty="0"/>
-          </a:p>
-        </p:txBody>
-      </p:sp>
-      <p:sp>
-        <p:nvSpPr>
-          <p:cNvPr id="3" name="Content Placeholder 2"/>
-          <p:cNvSpPr>
-            <a:spLocks noGrp="1"/>
-          </p:cNvSpPr>
-          <p:nvPr>
-            <p:ph idx="1"/>
-          </p:nvPr>
-        </p:nvSpPr>
-        <p:spPr/>
-        <p:txBody>
-          <a:bodyPr/>
-          <a:lstStyle/>
-          <a:p>
+              <a:t>We applied the above statistical model </a:t>
+            </a:r>
             <a:r>
               <a:rPr lang="en-US" dirty="0" smtClean="0"/>
-              <a:t>We applied the above statistical model and the SLA negotiation approach to a set of web APIs deployed in Google App Engine.</a:t>
-            </a:r>
-          </a:p>
-          <a:p>
+              <a:t>to </a:t>
+            </a:r>
             <a:r>
               <a:rPr lang="en-US" dirty="0" smtClean="0"/>
-              <a:t>We wanted to calculate the SLA validity periods and the SLA renewals necessary for each API consumer when using Cerebro on Google App Engine.</a:t>
-            </a:r>
-            <a:endParaRPr lang="en-US" dirty="0"/>
+              <a:t>a set of web APIs deployed in </a:t>
+            </a:r>
+            <a:r>
+              <a:rPr lang="en-US" dirty="0" smtClean="0"/>
+              <a:t>GAE.</a:t>
+            </a:r>
+          </a:p>
+          <a:p>
+            <a:r>
+              <a:rPr lang="en-US" dirty="0" smtClean="0"/>
+              <a:t>Are the predicted SLAs valid? [SOCC ‘15]</a:t>
+            </a:r>
+          </a:p>
+          <a:p>
+            <a:r>
+              <a:rPr lang="en-US" dirty="0" smtClean="0"/>
+              <a:t>If so, for how long ar</a:t>
+            </a:r>
+            <a:r>
+              <a:rPr lang="en-US" dirty="0" smtClean="0"/>
+              <a:t>e they valid?</a:t>
+            </a:r>
+          </a:p>
+          <a:p>
+            <a:r>
+              <a:rPr lang="en-US" dirty="0" smtClean="0"/>
+              <a:t>What would an individual user experience?</a:t>
+            </a:r>
+          </a:p>
+          <a:p>
+            <a:pPr lvl="1"/>
+            <a:r>
+              <a:rPr lang="en-US" dirty="0" smtClean="0"/>
+              <a:t>SLA validity period</a:t>
+            </a:r>
+          </a:p>
+          <a:p>
+            <a:pPr lvl="1"/>
+            <a:r>
+              <a:rPr lang="en-US" dirty="0" smtClean="0"/>
+              <a:t>Number of renewals due to invalidations</a:t>
+            </a:r>
+            <a:endParaRPr lang="en-US" dirty="0" smtClean="0"/>
           </a:p>
         </p:txBody>
       </p:sp>
@@ -4159,11 +4207,7 @@
           <a:p>
             <a:r>
               <a:rPr lang="en-US" dirty="0" smtClean="0"/>
-              <a:t>We deployed a set of APIs in Google App Engine, and monitored their response time over 3 months</a:t>
-            </a:r>
-            <a:r>
-              <a:rPr lang="en-US" dirty="0" smtClean="0"/>
-              <a:t>.</a:t>
+              <a:t>We deployed a set of APIs in Google App Engine, and monitored their response time over 3 months.</a:t>
             </a:r>
           </a:p>
           <a:p>
@@ -4172,7 +4216,6 @@
               <a:rPr lang="en-US" dirty="0" smtClean="0"/>
               <a:t>Used a set of open source applications</a:t>
             </a:r>
-            <a:endParaRPr lang="en-US" dirty="0" smtClean="0"/>
           </a:p>
           <a:p>
             <a:r>
@@ -9147,11 +9190,7 @@
           <a:p>
             <a:r>
               <a:rPr lang="en-US" b="1" dirty="0" smtClean="0"/>
-              <a:t>SLA </a:t>
-            </a:r>
-            <a:r>
-              <a:rPr lang="en-US" b="1" dirty="0" smtClean="0"/>
-              <a:t>validity period:</a:t>
+              <a:t>SLA validity period:</a:t>
             </a:r>
             <a:r>
               <a:rPr lang="en-US" dirty="0" smtClean="0"/>
